--- a/subjects/resources/1/it_phys/CourseWork.pptx
+++ b/subjects/resources/1/it_phys/CourseWork.pptx
@@ -168,7 +168,6 @@
           </a:p>
         </c:rich>
       </c:tx>
-      <c:layout/>
       <c:overlay val="0"/>
       <c:spPr>
         <a:noFill/>
@@ -473,7 +472,6 @@
               </a:p>
             </c:rich>
           </c:tx>
-          <c:layout/>
           <c:overlay val="0"/>
           <c:spPr>
             <a:noFill/>
@@ -596,7 +594,6 @@
               </a:p>
             </c:rich>
           </c:tx>
-          <c:layout/>
           <c:overlay val="0"/>
           <c:spPr>
             <a:noFill/>
@@ -669,7 +666,6 @@
     </c:plotArea>
     <c:legend>
       <c:legendPos val="r"/>
-      <c:layout/>
       <c:overlay val="0"/>
       <c:spPr>
         <a:noFill/>
@@ -780,7 +776,6 @@
           </a:p>
         </c:rich>
       </c:tx>
-      <c:layout/>
       <c:overlay val="0"/>
       <c:spPr>
         <a:noFill/>
@@ -1897,7 +1892,6 @@
               </a:p>
             </c:rich>
           </c:tx>
-          <c:layout/>
           <c:overlay val="0"/>
           <c:spPr>
             <a:noFill/>
@@ -1970,7 +1964,6 @@
     </c:plotArea>
     <c:legend>
       <c:legendPos val="t"/>
-      <c:layout/>
       <c:overlay val="0"/>
       <c:spPr>
         <a:noFill/>
@@ -2089,7 +2082,6 @@
           </a:p>
         </c:rich>
       </c:tx>
-      <c:layout/>
       <c:overlay val="0"/>
       <c:spPr>
         <a:noFill/>
@@ -2397,7 +2389,6 @@
               </a:p>
             </c:rich>
           </c:tx>
-          <c:layout/>
           <c:overlay val="0"/>
           <c:spPr>
             <a:noFill/>
@@ -2520,7 +2511,6 @@
               </a:p>
             </c:rich>
           </c:tx>
-          <c:layout/>
           <c:overlay val="0"/>
           <c:spPr>
             <a:noFill/>
@@ -2593,7 +2583,6 @@
     </c:plotArea>
     <c:legend>
       <c:legendPos val="r"/>
-      <c:layout/>
       <c:overlay val="0"/>
       <c:spPr>
         <a:noFill/>
@@ -2718,7 +2707,6 @@
           </a:p>
         </c:rich>
       </c:tx>
-      <c:layout/>
       <c:overlay val="0"/>
       <c:spPr>
         <a:noFill/>
@@ -3040,7 +3028,6 @@
               </a:p>
             </c:rich>
           </c:tx>
-          <c:layout/>
           <c:overlay val="0"/>
           <c:spPr>
             <a:noFill/>
@@ -3163,7 +3150,6 @@
               </a:p>
             </c:rich>
           </c:tx>
-          <c:layout/>
           <c:overlay val="0"/>
           <c:spPr>
             <a:noFill/>
@@ -3236,7 +3222,6 @@
     </c:plotArea>
     <c:legend>
       <c:legendPos val="r"/>
-      <c:layout/>
       <c:overlay val="0"/>
       <c:spPr>
         <a:noFill/>
@@ -3347,7 +3332,6 @@
           </a:p>
         </c:rich>
       </c:tx>
-      <c:layout/>
       <c:overlay val="0"/>
       <c:spPr>
         <a:noFill/>
@@ -3654,7 +3638,6 @@
               </a:p>
             </c:rich>
           </c:tx>
-          <c:layout/>
           <c:overlay val="0"/>
           <c:spPr>
             <a:noFill/>
@@ -3777,7 +3760,6 @@
               </a:p>
             </c:rich>
           </c:tx>
-          <c:layout/>
           <c:overlay val="0"/>
           <c:spPr>
             <a:noFill/>
@@ -3850,7 +3832,6 @@
     </c:plotArea>
     <c:legend>
       <c:legendPos val="r"/>
-      <c:layout/>
       <c:overlay val="0"/>
       <c:spPr>
         <a:noFill/>
@@ -6944,7 +6925,7 @@
           <a:p>
             <a:fld id="{FA50E162-9A78-4170-AF36-78E66D62D646}" type="datetimeFigureOut">
               <a:rPr lang="ru-RU"/>
-              <a:t>11.01.2016</a:t>
+              <a:t>04.06.2019</a:t>
             </a:fld>
             <a:endParaRPr lang="ru-RU"/>
           </a:p>
@@ -7678,7 +7659,7 @@
           <a:p>
             <a:fld id="{1538CA54-B1FE-49A2-B408-5B187601769C}" type="datetimeFigureOut">
               <a:rPr lang="ru-RU" smtClean="0"/>
-              <a:t>11.01.2016</a:t>
+              <a:t>04.06.2019</a:t>
             </a:fld>
             <a:endParaRPr lang="ru-RU"/>
           </a:p>
@@ -7848,7 +7829,7 @@
           <a:p>
             <a:fld id="{1538CA54-B1FE-49A2-B408-5B187601769C}" type="datetimeFigureOut">
               <a:rPr lang="ru-RU" smtClean="0"/>
-              <a:t>11.01.2016</a:t>
+              <a:t>04.06.2019</a:t>
             </a:fld>
             <a:endParaRPr lang="ru-RU"/>
           </a:p>
@@ -8028,7 +8009,7 @@
           <a:p>
             <a:fld id="{1538CA54-B1FE-49A2-B408-5B187601769C}" type="datetimeFigureOut">
               <a:rPr lang="ru-RU" smtClean="0"/>
-              <a:t>11.01.2016</a:t>
+              <a:t>04.06.2019</a:t>
             </a:fld>
             <a:endParaRPr lang="ru-RU"/>
           </a:p>
@@ -8198,7 +8179,7 @@
           <a:p>
             <a:fld id="{1538CA54-B1FE-49A2-B408-5B187601769C}" type="datetimeFigureOut">
               <a:rPr lang="ru-RU" smtClean="0"/>
-              <a:t>11.01.2016</a:t>
+              <a:t>04.06.2019</a:t>
             </a:fld>
             <a:endParaRPr lang="ru-RU"/>
           </a:p>
@@ -8444,7 +8425,7 @@
           <a:p>
             <a:fld id="{1538CA54-B1FE-49A2-B408-5B187601769C}" type="datetimeFigureOut">
               <a:rPr lang="ru-RU" smtClean="0"/>
-              <a:t>11.01.2016</a:t>
+              <a:t>04.06.2019</a:t>
             </a:fld>
             <a:endParaRPr lang="ru-RU"/>
           </a:p>
@@ -8676,7 +8657,7 @@
           <a:p>
             <a:fld id="{1538CA54-B1FE-49A2-B408-5B187601769C}" type="datetimeFigureOut">
               <a:rPr lang="ru-RU" smtClean="0"/>
-              <a:t>11.01.2016</a:t>
+              <a:t>04.06.2019</a:t>
             </a:fld>
             <a:endParaRPr lang="ru-RU"/>
           </a:p>
@@ -9043,7 +9024,7 @@
           <a:p>
             <a:fld id="{1538CA54-B1FE-49A2-B408-5B187601769C}" type="datetimeFigureOut">
               <a:rPr lang="ru-RU" smtClean="0"/>
-              <a:t>11.01.2016</a:t>
+              <a:t>04.06.2019</a:t>
             </a:fld>
             <a:endParaRPr lang="ru-RU"/>
           </a:p>
@@ -9161,7 +9142,7 @@
           <a:p>
             <a:fld id="{1538CA54-B1FE-49A2-B408-5B187601769C}" type="datetimeFigureOut">
               <a:rPr lang="ru-RU" smtClean="0"/>
-              <a:t>11.01.2016</a:t>
+              <a:t>04.06.2019</a:t>
             </a:fld>
             <a:endParaRPr lang="ru-RU"/>
           </a:p>
@@ -9256,7 +9237,7 @@
           <a:p>
             <a:fld id="{1538CA54-B1FE-49A2-B408-5B187601769C}" type="datetimeFigureOut">
               <a:rPr lang="ru-RU" smtClean="0"/>
-              <a:t>11.01.2016</a:t>
+              <a:t>04.06.2019</a:t>
             </a:fld>
             <a:endParaRPr lang="ru-RU"/>
           </a:p>
@@ -9533,7 +9514,7 @@
           <a:p>
             <a:fld id="{1538CA54-B1FE-49A2-B408-5B187601769C}" type="datetimeFigureOut">
               <a:rPr lang="ru-RU" smtClean="0"/>
-              <a:t>11.01.2016</a:t>
+              <a:t>04.06.2019</a:t>
             </a:fld>
             <a:endParaRPr lang="ru-RU"/>
           </a:p>
@@ -9786,7 +9767,7 @@
           <a:p>
             <a:fld id="{1538CA54-B1FE-49A2-B408-5B187601769C}" type="datetimeFigureOut">
               <a:rPr lang="ru-RU" smtClean="0"/>
-              <a:t>11.01.2016</a:t>
+              <a:t>04.06.2019</a:t>
             </a:fld>
             <a:endParaRPr lang="ru-RU"/>
           </a:p>
@@ -9999,7 +9980,7 @@
           <a:p>
             <a:fld id="{1538CA54-B1FE-49A2-B408-5B187601769C}" type="datetimeFigureOut">
               <a:rPr lang="ru-RU" smtClean="0"/>
-              <a:t>11.01.2016</a:t>
+              <a:t>04.06.2019</a:t>
             </a:fld>
             <a:endParaRPr lang="ru-RU"/>
           </a:p>
